--- a/1505069_1505085_Assignment 1/Group05_Submission1.pptx
+++ b/1505069_1505085_Assignment 1/Group05_Submission1.pptx
@@ -176,7 +176,7 @@
           <a:noFill/>
           <a:extLst>
             <a:ext uri="{909E8E84-426E-40dd-AFC4-6F175D3DCCD1}">
-              <a14:hiddenFill xmlns:a14="http://schemas.microsoft.com/office/drawing/2010/main" xmlns="">
+              <a14:hiddenFill xmlns="" xmlns:a14="http://schemas.microsoft.com/office/drawing/2010/main">
                 <a:solidFill>
                   <a:srgbClr val="FFFFFF"/>
                 </a:solidFill>
@@ -235,7 +235,7 @@
             </a:ln>
             <a:extLst>
               <a:ext uri="{91240B29-F687-4f45-9708-019B960494DF}">
-                <a14:hiddenLine xmlns:a14="http://schemas.microsoft.com/office/drawing/2010/main" xmlns="" w="9525">
+                <a14:hiddenLine xmlns="" xmlns:a14="http://schemas.microsoft.com/office/drawing/2010/main" w="9525">
                   <a:solidFill>
                     <a:srgbClr val="000000"/>
                   </a:solidFill>
@@ -325,7 +325,7 @@
             </a:ln>
             <a:extLst>
               <a:ext uri="{91240B29-F687-4f45-9708-019B960494DF}">
-                <a14:hiddenLine xmlns:a14="http://schemas.microsoft.com/office/drawing/2010/main" xmlns="" w="9525">
+                <a14:hiddenLine xmlns="" xmlns:a14="http://schemas.microsoft.com/office/drawing/2010/main" w="9525">
                   <a:solidFill>
                     <a:srgbClr val="000000"/>
                   </a:solidFill>
@@ -415,7 +415,7 @@
             </a:ln>
             <a:extLst>
               <a:ext uri="{91240B29-F687-4f45-9708-019B960494DF}">
-                <a14:hiddenLine xmlns:a14="http://schemas.microsoft.com/office/drawing/2010/main" xmlns="" w="9525">
+                <a14:hiddenLine xmlns="" xmlns:a14="http://schemas.microsoft.com/office/drawing/2010/main" w="9525">
                   <a:solidFill>
                     <a:srgbClr val="000000"/>
                   </a:solidFill>
@@ -449,7 +449,7 @@
             </a:ln>
             <a:extLst>
               <a:ext uri="{91240B29-F687-4f45-9708-019B960494DF}">
-                <a14:hiddenLine xmlns:a14="http://schemas.microsoft.com/office/drawing/2010/main" xmlns="" w="9525">
+                <a14:hiddenLine xmlns="" xmlns:a14="http://schemas.microsoft.com/office/drawing/2010/main" w="9525">
                   <a:solidFill>
                     <a:srgbClr val="000000"/>
                   </a:solidFill>
@@ -539,7 +539,7 @@
             </a:ln>
             <a:extLst>
               <a:ext uri="{91240B29-F687-4f45-9708-019B960494DF}">
-                <a14:hiddenLine xmlns:a14="http://schemas.microsoft.com/office/drawing/2010/main" xmlns="" w="9525">
+                <a14:hiddenLine xmlns="" xmlns:a14="http://schemas.microsoft.com/office/drawing/2010/main" w="9525">
                   <a:solidFill>
                     <a:srgbClr val="000000"/>
                   </a:solidFill>
@@ -601,7 +601,7 @@
             </a:ln>
             <a:extLst>
               <a:ext uri="{91240B29-F687-4f45-9708-019B960494DF}">
-                <a14:hiddenLine xmlns:a14="http://schemas.microsoft.com/office/drawing/2010/main" xmlns="" w="9525">
+                <a14:hiddenLine xmlns="" xmlns:a14="http://schemas.microsoft.com/office/drawing/2010/main" w="9525">
                   <a:solidFill>
                     <a:srgbClr val="000000"/>
                   </a:solidFill>
@@ -663,7 +663,7 @@
             </a:ln>
             <a:extLst>
               <a:ext uri="{91240B29-F687-4f45-9708-019B960494DF}">
-                <a14:hiddenLine xmlns:a14="http://schemas.microsoft.com/office/drawing/2010/main" xmlns="" w="9525">
+                <a14:hiddenLine xmlns="" xmlns:a14="http://schemas.microsoft.com/office/drawing/2010/main" w="9525">
                   <a:solidFill>
                     <a:srgbClr val="000000"/>
                   </a:solidFill>
@@ -753,7 +753,7 @@
             </a:ln>
             <a:extLst>
               <a:ext uri="{91240B29-F687-4f45-9708-019B960494DF}">
-                <a14:hiddenLine xmlns:a14="http://schemas.microsoft.com/office/drawing/2010/main" xmlns="" w="9525">
+                <a14:hiddenLine xmlns="" xmlns:a14="http://schemas.microsoft.com/office/drawing/2010/main" w="9525">
                   <a:solidFill>
                     <a:srgbClr val="000000"/>
                   </a:solidFill>
@@ -815,7 +815,7 @@
             </a:ln>
             <a:extLst>
               <a:ext uri="{91240B29-F687-4f45-9708-019B960494DF}">
-                <a14:hiddenLine xmlns:a14="http://schemas.microsoft.com/office/drawing/2010/main" xmlns="" w="9525">
+                <a14:hiddenLine xmlns="" xmlns:a14="http://schemas.microsoft.com/office/drawing/2010/main" w="9525">
                   <a:solidFill>
                     <a:srgbClr val="000000"/>
                   </a:solidFill>
@@ -877,7 +877,7 @@
             </a:ln>
             <a:extLst>
               <a:ext uri="{91240B29-F687-4f45-9708-019B960494DF}">
-                <a14:hiddenLine xmlns:a14="http://schemas.microsoft.com/office/drawing/2010/main" xmlns="" w="9525">
+                <a14:hiddenLine xmlns="" xmlns:a14="http://schemas.microsoft.com/office/drawing/2010/main" w="9525">
                   <a:solidFill>
                     <a:srgbClr val="000000"/>
                   </a:solidFill>
@@ -967,7 +967,7 @@
             </a:ln>
             <a:extLst>
               <a:ext uri="{91240B29-F687-4f45-9708-019B960494DF}">
-                <a14:hiddenLine xmlns:a14="http://schemas.microsoft.com/office/drawing/2010/main" xmlns="" w="9525">
+                <a14:hiddenLine xmlns="" xmlns:a14="http://schemas.microsoft.com/office/drawing/2010/main" w="9525">
                   <a:solidFill>
                     <a:srgbClr val="000000"/>
                   </a:solidFill>
@@ -1057,7 +1057,7 @@
             </a:ln>
             <a:extLst>
               <a:ext uri="{91240B29-F687-4f45-9708-019B960494DF}">
-                <a14:hiddenLine xmlns:a14="http://schemas.microsoft.com/office/drawing/2010/main" xmlns="" w="9525">
+                <a14:hiddenLine xmlns="" xmlns:a14="http://schemas.microsoft.com/office/drawing/2010/main" w="9525">
                   <a:solidFill>
                     <a:srgbClr val="000000"/>
                   </a:solidFill>
@@ -1119,7 +1119,7 @@
             </a:ln>
             <a:extLst>
               <a:ext uri="{91240B29-F687-4f45-9708-019B960494DF}">
-                <a14:hiddenLine xmlns:a14="http://schemas.microsoft.com/office/drawing/2010/main" xmlns="" w="9525">
+                <a14:hiddenLine xmlns="" xmlns:a14="http://schemas.microsoft.com/office/drawing/2010/main" w="9525">
                   <a:solidFill>
                     <a:srgbClr val="000000"/>
                   </a:solidFill>
@@ -1229,7 +1229,7 @@
             </a:ln>
             <a:extLst>
               <a:ext uri="{91240B29-F687-4f45-9708-019B960494DF}">
-                <a14:hiddenLine xmlns:a14="http://schemas.microsoft.com/office/drawing/2010/main" xmlns="" w="9525">
+                <a14:hiddenLine xmlns="" xmlns:a14="http://schemas.microsoft.com/office/drawing/2010/main" w="9525">
                   <a:solidFill>
                     <a:srgbClr val="000000"/>
                   </a:solidFill>
@@ -1291,7 +1291,7 @@
             </a:ln>
             <a:extLst>
               <a:ext uri="{91240B29-F687-4f45-9708-019B960494DF}">
-                <a14:hiddenLine xmlns:a14="http://schemas.microsoft.com/office/drawing/2010/main" xmlns="" w="9525">
+                <a14:hiddenLine xmlns="" xmlns:a14="http://schemas.microsoft.com/office/drawing/2010/main" w="9525">
                   <a:solidFill>
                     <a:srgbClr val="000000"/>
                   </a:solidFill>
@@ -1381,7 +1381,7 @@
             </a:ln>
             <a:extLst>
               <a:ext uri="{91240B29-F687-4f45-9708-019B960494DF}">
-                <a14:hiddenLine xmlns:a14="http://schemas.microsoft.com/office/drawing/2010/main" xmlns="" w="9525">
+                <a14:hiddenLine xmlns="" xmlns:a14="http://schemas.microsoft.com/office/drawing/2010/main" w="9525">
                   <a:solidFill>
                     <a:srgbClr val="000000"/>
                   </a:solidFill>
@@ -1471,7 +1471,7 @@
             </a:ln>
             <a:extLst>
               <a:ext uri="{91240B29-F687-4f45-9708-019B960494DF}">
-                <a14:hiddenLine xmlns:a14="http://schemas.microsoft.com/office/drawing/2010/main" xmlns="" w="9525">
+                <a14:hiddenLine xmlns="" xmlns:a14="http://schemas.microsoft.com/office/drawing/2010/main" w="9525">
                   <a:solidFill>
                     <a:srgbClr val="000000"/>
                   </a:solidFill>
@@ -1533,7 +1533,7 @@
             </a:ln>
             <a:extLst>
               <a:ext uri="{91240B29-F687-4f45-9708-019B960494DF}">
-                <a14:hiddenLine xmlns:a14="http://schemas.microsoft.com/office/drawing/2010/main" xmlns="" w="9525">
+                <a14:hiddenLine xmlns="" xmlns:a14="http://schemas.microsoft.com/office/drawing/2010/main" w="9525">
                   <a:solidFill>
                     <a:srgbClr val="000000"/>
                   </a:solidFill>
@@ -1623,7 +1623,7 @@
             </a:ln>
             <a:extLst>
               <a:ext uri="{91240B29-F687-4f45-9708-019B960494DF}">
-                <a14:hiddenLine xmlns:a14="http://schemas.microsoft.com/office/drawing/2010/main" xmlns="" w="9525">
+                <a14:hiddenLine xmlns="" xmlns:a14="http://schemas.microsoft.com/office/drawing/2010/main" w="9525">
                   <a:solidFill>
                     <a:srgbClr val="000000"/>
                   </a:solidFill>
@@ -1713,7 +1713,7 @@
             </a:ln>
             <a:extLst>
               <a:ext uri="{91240B29-F687-4f45-9708-019B960494DF}">
-                <a14:hiddenLine xmlns:a14="http://schemas.microsoft.com/office/drawing/2010/main" xmlns="" w="9525">
+                <a14:hiddenLine xmlns="" xmlns:a14="http://schemas.microsoft.com/office/drawing/2010/main" w="9525">
                   <a:solidFill>
                     <a:srgbClr val="000000"/>
                   </a:solidFill>
@@ -1769,7 +1769,7 @@
             </a:ln>
             <a:extLst>
               <a:ext uri="{91240B29-F687-4f45-9708-019B960494DF}">
-                <a14:hiddenLine xmlns:a14="http://schemas.microsoft.com/office/drawing/2010/main" xmlns="" w="9525">
+                <a14:hiddenLine xmlns="" xmlns:a14="http://schemas.microsoft.com/office/drawing/2010/main" w="9525">
                   <a:solidFill>
                     <a:srgbClr val="000000"/>
                   </a:solidFill>
@@ -1859,7 +1859,7 @@
             </a:ln>
             <a:extLst>
               <a:ext uri="{91240B29-F687-4f45-9708-019B960494DF}">
-                <a14:hiddenLine xmlns:a14="http://schemas.microsoft.com/office/drawing/2010/main" xmlns="" w="9525">
+                <a14:hiddenLine xmlns="" xmlns:a14="http://schemas.microsoft.com/office/drawing/2010/main" w="9525">
                   <a:solidFill>
                     <a:srgbClr val="000000"/>
                   </a:solidFill>
@@ -1915,7 +1915,7 @@
             </a:ln>
             <a:extLst>
               <a:ext uri="{91240B29-F687-4f45-9708-019B960494DF}">
-                <a14:hiddenLine xmlns:a14="http://schemas.microsoft.com/office/drawing/2010/main" xmlns="" w="9525">
+                <a14:hiddenLine xmlns="" xmlns:a14="http://schemas.microsoft.com/office/drawing/2010/main" w="9525">
                   <a:solidFill>
                     <a:srgbClr val="000000"/>
                   </a:solidFill>
@@ -2005,7 +2005,7 @@
             </a:ln>
             <a:extLst>
               <a:ext uri="{91240B29-F687-4f45-9708-019B960494DF}">
-                <a14:hiddenLine xmlns:a14="http://schemas.microsoft.com/office/drawing/2010/main" xmlns="" w="9525">
+                <a14:hiddenLine xmlns="" xmlns:a14="http://schemas.microsoft.com/office/drawing/2010/main" w="9525">
                   <a:solidFill>
                     <a:srgbClr val="000000"/>
                   </a:solidFill>
@@ -2073,7 +2073,7 @@
             </a:ln>
             <a:extLst>
               <a:ext uri="{91240B29-F687-4f45-9708-019B960494DF}">
-                <a14:hiddenLine xmlns:a14="http://schemas.microsoft.com/office/drawing/2010/main" xmlns="" w="9525">
+                <a14:hiddenLine xmlns="" xmlns:a14="http://schemas.microsoft.com/office/drawing/2010/main" w="9525">
                   <a:solidFill>
                     <a:srgbClr val="000000"/>
                   </a:solidFill>
@@ -2163,7 +2163,7 @@
             </a:ln>
             <a:extLst>
               <a:ext uri="{91240B29-F687-4f45-9708-019B960494DF}">
-                <a14:hiddenLine xmlns:a14="http://schemas.microsoft.com/office/drawing/2010/main" xmlns="" w="9525">
+                <a14:hiddenLine xmlns="" xmlns:a14="http://schemas.microsoft.com/office/drawing/2010/main" w="9525">
                   <a:solidFill>
                     <a:srgbClr val="000000"/>
                   </a:solidFill>
@@ -2231,7 +2231,7 @@
             </a:ln>
             <a:extLst>
               <a:ext uri="{91240B29-F687-4f45-9708-019B960494DF}">
-                <a14:hiddenLine xmlns:a14="http://schemas.microsoft.com/office/drawing/2010/main" xmlns="" w="9525">
+                <a14:hiddenLine xmlns="" xmlns:a14="http://schemas.microsoft.com/office/drawing/2010/main" w="9525">
                   <a:solidFill>
                     <a:srgbClr val="000000"/>
                   </a:solidFill>
@@ -2321,7 +2321,7 @@
             </a:ln>
             <a:extLst>
               <a:ext uri="{91240B29-F687-4f45-9708-019B960494DF}">
-                <a14:hiddenLine xmlns:a14="http://schemas.microsoft.com/office/drawing/2010/main" xmlns="" w="9525">
+                <a14:hiddenLine xmlns="" xmlns:a14="http://schemas.microsoft.com/office/drawing/2010/main" w="9525">
                   <a:solidFill>
                     <a:srgbClr val="000000"/>
                   </a:solidFill>
@@ -2355,7 +2355,7 @@
             </a:ln>
             <a:extLst>
               <a:ext uri="{91240B29-F687-4f45-9708-019B960494DF}">
-                <a14:hiddenLine xmlns:a14="http://schemas.microsoft.com/office/drawing/2010/main" xmlns="" w="9525">
+                <a14:hiddenLine xmlns="" xmlns:a14="http://schemas.microsoft.com/office/drawing/2010/main" w="9525">
                   <a:solidFill>
                     <a:srgbClr val="000000"/>
                   </a:solidFill>
@@ -2445,7 +2445,7 @@
             </a:ln>
             <a:extLst>
               <a:ext uri="{91240B29-F687-4f45-9708-019B960494DF}">
-                <a14:hiddenLine xmlns:a14="http://schemas.microsoft.com/office/drawing/2010/main" xmlns="" w="9525">
+                <a14:hiddenLine xmlns="" xmlns:a14="http://schemas.microsoft.com/office/drawing/2010/main" w="9525">
                   <a:solidFill>
                     <a:srgbClr val="000000"/>
                   </a:solidFill>
@@ -2507,7 +2507,7 @@
             </a:ln>
             <a:extLst>
               <a:ext uri="{91240B29-F687-4f45-9708-019B960494DF}">
-                <a14:hiddenLine xmlns:a14="http://schemas.microsoft.com/office/drawing/2010/main" xmlns="" w="9525">
+                <a14:hiddenLine xmlns="" xmlns:a14="http://schemas.microsoft.com/office/drawing/2010/main" w="9525">
                   <a:solidFill>
                     <a:srgbClr val="000000"/>
                   </a:solidFill>
@@ -2569,7 +2569,7 @@
             </a:ln>
             <a:extLst>
               <a:ext uri="{91240B29-F687-4f45-9708-019B960494DF}">
-                <a14:hiddenLine xmlns:a14="http://schemas.microsoft.com/office/drawing/2010/main" xmlns="" w="9525">
+                <a14:hiddenLine xmlns="" xmlns:a14="http://schemas.microsoft.com/office/drawing/2010/main" w="9525">
                   <a:solidFill>
                     <a:srgbClr val="000000"/>
                   </a:solidFill>
@@ -2659,7 +2659,7 @@
             </a:ln>
             <a:extLst>
               <a:ext uri="{91240B29-F687-4f45-9708-019B960494DF}">
-                <a14:hiddenLine xmlns:a14="http://schemas.microsoft.com/office/drawing/2010/main" xmlns="" w="9525">
+                <a14:hiddenLine xmlns="" xmlns:a14="http://schemas.microsoft.com/office/drawing/2010/main" w="9525">
                   <a:solidFill>
                     <a:srgbClr val="000000"/>
                   </a:solidFill>
@@ -2727,7 +2727,7 @@
             </a:ln>
             <a:extLst>
               <a:ext uri="{91240B29-F687-4f45-9708-019B960494DF}">
-                <a14:hiddenLine xmlns:a14="http://schemas.microsoft.com/office/drawing/2010/main" xmlns="" w="9525">
+                <a14:hiddenLine xmlns="" xmlns:a14="http://schemas.microsoft.com/office/drawing/2010/main" w="9525">
                   <a:solidFill>
                     <a:srgbClr val="000000"/>
                   </a:solidFill>
@@ -2789,7 +2789,7 @@
             </a:ln>
             <a:extLst>
               <a:ext uri="{91240B29-F687-4f45-9708-019B960494DF}">
-                <a14:hiddenLine xmlns:a14="http://schemas.microsoft.com/office/drawing/2010/main" xmlns="" w="9525">
+                <a14:hiddenLine xmlns="" xmlns:a14="http://schemas.microsoft.com/office/drawing/2010/main" w="9525">
                   <a:solidFill>
                     <a:srgbClr val="000000"/>
                   </a:solidFill>
@@ -2879,7 +2879,7 @@
             </a:ln>
             <a:extLst>
               <a:ext uri="{91240B29-F687-4f45-9708-019B960494DF}">
-                <a14:hiddenLine xmlns:a14="http://schemas.microsoft.com/office/drawing/2010/main" xmlns="" w="9525">
+                <a14:hiddenLine xmlns="" xmlns:a14="http://schemas.microsoft.com/office/drawing/2010/main" w="9525">
                   <a:solidFill>
                     <a:srgbClr val="000000"/>
                   </a:solidFill>
@@ -2941,7 +2941,7 @@
             </a:ln>
             <a:extLst>
               <a:ext uri="{91240B29-F687-4f45-9708-019B960494DF}">
-                <a14:hiddenLine xmlns:a14="http://schemas.microsoft.com/office/drawing/2010/main" xmlns="" w="9525">
+                <a14:hiddenLine xmlns="" xmlns:a14="http://schemas.microsoft.com/office/drawing/2010/main" w="9525">
                   <a:solidFill>
                     <a:srgbClr val="000000"/>
                   </a:solidFill>
@@ -3031,7 +3031,7 @@
             </a:ln>
             <a:extLst>
               <a:ext uri="{91240B29-F687-4f45-9708-019B960494DF}">
-                <a14:hiddenLine xmlns:a14="http://schemas.microsoft.com/office/drawing/2010/main" xmlns="" w="9525">
+                <a14:hiddenLine xmlns="" xmlns:a14="http://schemas.microsoft.com/office/drawing/2010/main" w="9525">
                   <a:solidFill>
                     <a:srgbClr val="000000"/>
                   </a:solidFill>
@@ -3093,7 +3093,7 @@
             </a:ln>
             <a:extLst>
               <a:ext uri="{91240B29-F687-4f45-9708-019B960494DF}">
-                <a14:hiddenLine xmlns:a14="http://schemas.microsoft.com/office/drawing/2010/main" xmlns="" w="9525">
+                <a14:hiddenLine xmlns="" xmlns:a14="http://schemas.microsoft.com/office/drawing/2010/main" w="9525">
                   <a:solidFill>
                     <a:srgbClr val="000000"/>
                   </a:solidFill>
@@ -3183,7 +3183,7 @@
             </a:ln>
             <a:extLst>
               <a:ext uri="{91240B29-F687-4f45-9708-019B960494DF}">
-                <a14:hiddenLine xmlns:a14="http://schemas.microsoft.com/office/drawing/2010/main" xmlns="" w="9525">
+                <a14:hiddenLine xmlns="" xmlns:a14="http://schemas.microsoft.com/office/drawing/2010/main" w="9525">
                   <a:solidFill>
                     <a:srgbClr val="000000"/>
                   </a:solidFill>
@@ -3217,7 +3217,7 @@
             </a:ln>
             <a:extLst>
               <a:ext uri="{91240B29-F687-4f45-9708-019B960494DF}">
-                <a14:hiddenLine xmlns:a14="http://schemas.microsoft.com/office/drawing/2010/main" xmlns="" w="9525">
+                <a14:hiddenLine xmlns="" xmlns:a14="http://schemas.microsoft.com/office/drawing/2010/main" w="9525">
                   <a:solidFill>
                     <a:srgbClr val="000000"/>
                   </a:solidFill>
@@ -3282,7 +3282,7 @@
             </a:ln>
             <a:extLst>
               <a:ext uri="{91240B29-F687-4f45-9708-019B960494DF}">
-                <a14:hiddenLine xmlns:a14="http://schemas.microsoft.com/office/drawing/2010/main" xmlns="" w="9525">
+                <a14:hiddenLine xmlns="" xmlns:a14="http://schemas.microsoft.com/office/drawing/2010/main" w="9525">
                   <a:solidFill>
                     <a:srgbClr val="000000"/>
                   </a:solidFill>
@@ -3372,7 +3372,7 @@
             </a:ln>
             <a:extLst>
               <a:ext uri="{91240B29-F687-4f45-9708-019B960494DF}">
-                <a14:hiddenLine xmlns:a14="http://schemas.microsoft.com/office/drawing/2010/main" xmlns="" w="9525">
+                <a14:hiddenLine xmlns="" xmlns:a14="http://schemas.microsoft.com/office/drawing/2010/main" w="9525">
                   <a:solidFill>
                     <a:srgbClr val="000000"/>
                   </a:solidFill>
@@ -3434,7 +3434,7 @@
             </a:ln>
             <a:extLst>
               <a:ext uri="{91240B29-F687-4f45-9708-019B960494DF}">
-                <a14:hiddenLine xmlns:a14="http://schemas.microsoft.com/office/drawing/2010/main" xmlns="" w="9525">
+                <a14:hiddenLine xmlns="" xmlns:a14="http://schemas.microsoft.com/office/drawing/2010/main" w="9525">
                   <a:solidFill>
                     <a:srgbClr val="000000"/>
                   </a:solidFill>
@@ -3524,7 +3524,7 @@
             </a:ln>
             <a:extLst>
               <a:ext uri="{91240B29-F687-4f45-9708-019B960494DF}">
-                <a14:hiddenLine xmlns:a14="http://schemas.microsoft.com/office/drawing/2010/main" xmlns="" w="9525">
+                <a14:hiddenLine xmlns="" xmlns:a14="http://schemas.microsoft.com/office/drawing/2010/main" w="9525">
                   <a:solidFill>
                     <a:srgbClr val="000000"/>
                   </a:solidFill>
@@ -3614,7 +3614,7 @@
             </a:ln>
             <a:extLst>
               <a:ext uri="{91240B29-F687-4f45-9708-019B960494DF}">
-                <a14:hiddenLine xmlns:a14="http://schemas.microsoft.com/office/drawing/2010/main" xmlns="" w="9525">
+                <a14:hiddenLine xmlns="" xmlns:a14="http://schemas.microsoft.com/office/drawing/2010/main" w="9525">
                   <a:solidFill>
                     <a:srgbClr val="000000"/>
                   </a:solidFill>
@@ -3679,7 +3679,7 @@
             </a:ln>
             <a:extLst>
               <a:ext uri="{91240B29-F687-4f45-9708-019B960494DF}">
-                <a14:hiddenLine xmlns:a14="http://schemas.microsoft.com/office/drawing/2010/main" xmlns="" w="9525">
+                <a14:hiddenLine xmlns="" xmlns:a14="http://schemas.microsoft.com/office/drawing/2010/main" w="9525">
                   <a:solidFill>
                     <a:srgbClr val="000000"/>
                   </a:solidFill>
@@ -3741,7 +3741,7 @@
             </a:ln>
             <a:extLst>
               <a:ext uri="{91240B29-F687-4f45-9708-019B960494DF}">
-                <a14:hiddenLine xmlns:a14="http://schemas.microsoft.com/office/drawing/2010/main" xmlns="" w="9525">
+                <a14:hiddenLine xmlns="" xmlns:a14="http://schemas.microsoft.com/office/drawing/2010/main" w="9525">
                   <a:solidFill>
                     <a:srgbClr val="000000"/>
                   </a:solidFill>
@@ -3831,7 +3831,7 @@
             </a:ln>
             <a:extLst>
               <a:ext uri="{91240B29-F687-4f45-9708-019B960494DF}">
-                <a14:hiddenLine xmlns:a14="http://schemas.microsoft.com/office/drawing/2010/main" xmlns="" w="9525">
+                <a14:hiddenLine xmlns="" xmlns:a14="http://schemas.microsoft.com/office/drawing/2010/main" w="9525">
                   <a:solidFill>
                     <a:srgbClr val="000000"/>
                   </a:solidFill>
@@ -3921,7 +3921,7 @@
             </a:ln>
             <a:extLst>
               <a:ext uri="{91240B29-F687-4f45-9708-019B960494DF}">
-                <a14:hiddenLine xmlns:a14="http://schemas.microsoft.com/office/drawing/2010/main" xmlns="" w="9525">
+                <a14:hiddenLine xmlns="" xmlns:a14="http://schemas.microsoft.com/office/drawing/2010/main" w="9525">
                   <a:solidFill>
                     <a:srgbClr val="000000"/>
                   </a:solidFill>
@@ -3983,7 +3983,7 @@
             </a:ln>
             <a:extLst>
               <a:ext uri="{91240B29-F687-4f45-9708-019B960494DF}">
-                <a14:hiddenLine xmlns:a14="http://schemas.microsoft.com/office/drawing/2010/main" xmlns="" w="9525">
+                <a14:hiddenLine xmlns="" xmlns:a14="http://schemas.microsoft.com/office/drawing/2010/main" w="9525">
                   <a:solidFill>
                     <a:srgbClr val="000000"/>
                   </a:solidFill>
@@ -4103,7 +4103,7 @@
             </a:ln>
             <a:extLst>
               <a:ext uri="{91240B29-F687-4f45-9708-019B960494DF}">
-                <a14:hiddenLine xmlns:a14="http://schemas.microsoft.com/office/drawing/2010/main" xmlns="" w="9525">
+                <a14:hiddenLine xmlns="" xmlns:a14="http://schemas.microsoft.com/office/drawing/2010/main" w="9525">
                   <a:solidFill>
                     <a:srgbClr val="000000"/>
                   </a:solidFill>
@@ -4171,7 +4171,7 @@
             </a:ln>
             <a:extLst>
               <a:ext uri="{91240B29-F687-4f45-9708-019B960494DF}">
-                <a14:hiddenLine xmlns:a14="http://schemas.microsoft.com/office/drawing/2010/main" xmlns="" w="9525">
+                <a14:hiddenLine xmlns="" xmlns:a14="http://schemas.microsoft.com/office/drawing/2010/main" w="9525">
                   <a:solidFill>
                     <a:srgbClr val="000000"/>
                   </a:solidFill>
@@ -4261,7 +4261,7 @@
             </a:ln>
             <a:extLst>
               <a:ext uri="{91240B29-F687-4f45-9708-019B960494DF}">
-                <a14:hiddenLine xmlns:a14="http://schemas.microsoft.com/office/drawing/2010/main" xmlns="" w="9525">
+                <a14:hiddenLine xmlns="" xmlns:a14="http://schemas.microsoft.com/office/drawing/2010/main" w="9525">
                   <a:solidFill>
                     <a:srgbClr val="000000"/>
                   </a:solidFill>
@@ -4401,7 +4401,7 @@
           <a:p>
             <a:fld id="{48A87A34-81AB-432B-8DAE-1953F412C126}" type="datetimeFigureOut">
               <a:rPr lang="en-US" smtClean="0"/>
-              <a:t>28-Nov-18</a:t>
+              <a:t>15-Feb-19</a:t>
             </a:fld>
             <a:endParaRPr lang="en-US" dirty="0"/>
           </a:p>
@@ -4668,7 +4668,7 @@
           <a:p>
             <a:fld id="{48A87A34-81AB-432B-8DAE-1953F412C126}" type="datetimeFigureOut">
               <a:rPr lang="en-US" smtClean="0"/>
-              <a:t>28-Nov-18</a:t>
+              <a:t>15-Feb-19</a:t>
             </a:fld>
             <a:endParaRPr lang="en-US" dirty="0"/>
           </a:p>
@@ -4864,7 +4864,7 @@
           <a:p>
             <a:fld id="{48A87A34-81AB-432B-8DAE-1953F412C126}" type="datetimeFigureOut">
               <a:rPr lang="en-US" smtClean="0"/>
-              <a:t>28-Nov-18</a:t>
+              <a:t>15-Feb-19</a:t>
             </a:fld>
             <a:endParaRPr lang="en-US" dirty="0"/>
           </a:p>
@@ -5127,7 +5127,7 @@
           <a:p>
             <a:fld id="{48A87A34-81AB-432B-8DAE-1953F412C126}" type="datetimeFigureOut">
               <a:rPr lang="en-US" smtClean="0"/>
-              <a:t>28-Nov-18</a:t>
+              <a:t>15-Feb-19</a:t>
             </a:fld>
             <a:endParaRPr lang="en-US" dirty="0"/>
           </a:p>
@@ -5561,7 +5561,7 @@
           <a:p>
             <a:fld id="{48A87A34-81AB-432B-8DAE-1953F412C126}" type="datetimeFigureOut">
               <a:rPr lang="en-US" smtClean="0"/>
-              <a:t>28-Nov-18</a:t>
+              <a:t>15-Feb-19</a:t>
             </a:fld>
             <a:endParaRPr lang="en-US" dirty="0"/>
           </a:p>
@@ -6107,7 +6107,7 @@
           <a:p>
             <a:fld id="{48A87A34-81AB-432B-8DAE-1953F412C126}" type="datetimeFigureOut">
               <a:rPr lang="en-US" smtClean="0"/>
-              <a:t>28-Nov-18</a:t>
+              <a:t>15-Feb-19</a:t>
             </a:fld>
             <a:endParaRPr lang="en-US" dirty="0"/>
           </a:p>
@@ -6827,7 +6827,7 @@
           <a:p>
             <a:fld id="{48A87A34-81AB-432B-8DAE-1953F412C126}" type="datetimeFigureOut">
               <a:rPr lang="en-US" smtClean="0"/>
-              <a:t>28-Nov-18</a:t>
+              <a:t>15-Feb-19</a:t>
             </a:fld>
             <a:endParaRPr lang="en-US" dirty="0"/>
           </a:p>
@@ -6997,7 +6997,7 @@
           <a:p>
             <a:fld id="{48A87A34-81AB-432B-8DAE-1953F412C126}" type="datetimeFigureOut">
               <a:rPr lang="en-US" smtClean="0"/>
-              <a:t>28-Nov-18</a:t>
+              <a:t>15-Feb-19</a:t>
             </a:fld>
             <a:endParaRPr lang="en-US" dirty="0"/>
           </a:p>
@@ -7177,7 +7177,7 @@
           <a:p>
             <a:fld id="{48A87A34-81AB-432B-8DAE-1953F412C126}" type="datetimeFigureOut">
               <a:rPr lang="en-US" smtClean="0"/>
-              <a:t>28-Nov-18</a:t>
+              <a:t>15-Feb-19</a:t>
             </a:fld>
             <a:endParaRPr lang="en-US" dirty="0"/>
           </a:p>
@@ -7347,7 +7347,7 @@
           <a:p>
             <a:fld id="{48A87A34-81AB-432B-8DAE-1953F412C126}" type="datetimeFigureOut">
               <a:rPr lang="en-US" smtClean="0"/>
-              <a:t>28-Nov-18</a:t>
+              <a:t>15-Feb-19</a:t>
             </a:fld>
             <a:endParaRPr lang="en-US" dirty="0"/>
           </a:p>
@@ -7597,7 +7597,7 @@
           <a:p>
             <a:fld id="{48A87A34-81AB-432B-8DAE-1953F412C126}" type="datetimeFigureOut">
               <a:rPr lang="en-US" smtClean="0"/>
-              <a:t>28-Nov-18</a:t>
+              <a:t>15-Feb-19</a:t>
             </a:fld>
             <a:endParaRPr lang="en-US" dirty="0"/>
           </a:p>
@@ -7829,7 +7829,7 @@
           <a:p>
             <a:fld id="{48A87A34-81AB-432B-8DAE-1953F412C126}" type="datetimeFigureOut">
               <a:rPr lang="en-US" smtClean="0"/>
-              <a:t>28-Nov-18</a:t>
+              <a:t>15-Feb-19</a:t>
             </a:fld>
             <a:endParaRPr lang="en-US" dirty="0"/>
           </a:p>
@@ -8210,7 +8210,7 @@
           <a:p>
             <a:fld id="{48A87A34-81AB-432B-8DAE-1953F412C126}" type="datetimeFigureOut">
               <a:rPr lang="en-US" smtClean="0"/>
-              <a:t>28-Nov-18</a:t>
+              <a:t>15-Feb-19</a:t>
             </a:fld>
             <a:endParaRPr lang="en-US" dirty="0"/>
           </a:p>
@@ -8328,7 +8328,7 @@
           <a:p>
             <a:fld id="{48A87A34-81AB-432B-8DAE-1953F412C126}" type="datetimeFigureOut">
               <a:rPr lang="en-US" smtClean="0"/>
-              <a:t>28-Nov-18</a:t>
+              <a:t>15-Feb-19</a:t>
             </a:fld>
             <a:endParaRPr lang="en-US" dirty="0"/>
           </a:p>
@@ -8423,7 +8423,7 @@
           <a:p>
             <a:fld id="{48A87A34-81AB-432B-8DAE-1953F412C126}" type="datetimeFigureOut">
               <a:rPr lang="en-US" smtClean="0"/>
-              <a:t>28-Nov-18</a:t>
+              <a:t>15-Feb-19</a:t>
             </a:fld>
             <a:endParaRPr lang="en-US" dirty="0"/>
           </a:p>
@@ -8672,7 +8672,7 @@
           <a:p>
             <a:fld id="{48A87A34-81AB-432B-8DAE-1953F412C126}" type="datetimeFigureOut">
               <a:rPr lang="en-US" smtClean="0"/>
-              <a:t>28-Nov-18</a:t>
+              <a:t>15-Feb-19</a:t>
             </a:fld>
             <a:endParaRPr lang="en-US" dirty="0"/>
           </a:p>
@@ -8952,7 +8952,7 @@
           <a:p>
             <a:fld id="{48A87A34-81AB-432B-8DAE-1953F412C126}" type="datetimeFigureOut">
               <a:rPr lang="en-US" smtClean="0"/>
-              <a:t>28-Nov-18</a:t>
+              <a:t>15-Feb-19</a:t>
             </a:fld>
             <a:endParaRPr lang="en-US" dirty="0"/>
           </a:p>
@@ -9075,7 +9075,7 @@
           <a:noFill/>
           <a:extLst>
             <a:ext uri="{909E8E84-426E-40dd-AFC4-6F175D3DCCD1}">
-              <a14:hiddenFill xmlns:a14="http://schemas.microsoft.com/office/drawing/2010/main" xmlns="">
+              <a14:hiddenFill xmlns="" xmlns:a14="http://schemas.microsoft.com/office/drawing/2010/main">
                 <a:solidFill>
                   <a:srgbClr val="FFFFFF"/>
                 </a:solidFill>
@@ -9149,7 +9149,7 @@
               </a:ln>
               <a:extLst>
                 <a:ext uri="{91240B29-F687-4f45-9708-019B960494DF}">
-                  <a14:hiddenLine xmlns:a14="http://schemas.microsoft.com/office/drawing/2010/main" xmlns="" w="9525">
+                  <a14:hiddenLine xmlns="" xmlns:a14="http://schemas.microsoft.com/office/drawing/2010/main" w="9525">
                     <a:solidFill>
                       <a:srgbClr val="000000"/>
                     </a:solidFill>
@@ -9239,7 +9239,7 @@
               </a:ln>
               <a:extLst>
                 <a:ext uri="{91240B29-F687-4f45-9708-019B960494DF}">
-                  <a14:hiddenLine xmlns:a14="http://schemas.microsoft.com/office/drawing/2010/main" xmlns="" w="9525">
+                  <a14:hiddenLine xmlns="" xmlns:a14="http://schemas.microsoft.com/office/drawing/2010/main" w="9525">
                     <a:solidFill>
                       <a:srgbClr val="000000"/>
                     </a:solidFill>
@@ -9329,7 +9329,7 @@
               </a:ln>
               <a:extLst>
                 <a:ext uri="{91240B29-F687-4f45-9708-019B960494DF}">
-                  <a14:hiddenLine xmlns:a14="http://schemas.microsoft.com/office/drawing/2010/main" xmlns="" w="9525">
+                  <a14:hiddenLine xmlns="" xmlns:a14="http://schemas.microsoft.com/office/drawing/2010/main" w="9525">
                     <a:solidFill>
                       <a:srgbClr val="000000"/>
                     </a:solidFill>
@@ -9391,7 +9391,7 @@
               </a:ln>
               <a:extLst>
                 <a:ext uri="{91240B29-F687-4f45-9708-019B960494DF}">
-                  <a14:hiddenLine xmlns:a14="http://schemas.microsoft.com/office/drawing/2010/main" xmlns="" w="9525">
+                  <a14:hiddenLine xmlns="" xmlns:a14="http://schemas.microsoft.com/office/drawing/2010/main" w="9525">
                     <a:solidFill>
                       <a:srgbClr val="000000"/>
                     </a:solidFill>
@@ -9481,7 +9481,7 @@
               </a:ln>
               <a:extLst>
                 <a:ext uri="{91240B29-F687-4f45-9708-019B960494DF}">
-                  <a14:hiddenLine xmlns:a14="http://schemas.microsoft.com/office/drawing/2010/main" xmlns="" w="9525">
+                  <a14:hiddenLine xmlns="" xmlns:a14="http://schemas.microsoft.com/office/drawing/2010/main" w="9525">
                     <a:solidFill>
                       <a:srgbClr val="000000"/>
                     </a:solidFill>
@@ -9543,7 +9543,7 @@
               </a:ln>
               <a:extLst>
                 <a:ext uri="{91240B29-F687-4f45-9708-019B960494DF}">
-                  <a14:hiddenLine xmlns:a14="http://schemas.microsoft.com/office/drawing/2010/main" xmlns="" w="9525">
+                  <a14:hiddenLine xmlns="" xmlns:a14="http://schemas.microsoft.com/office/drawing/2010/main" w="9525">
                     <a:solidFill>
                       <a:srgbClr val="000000"/>
                     </a:solidFill>
@@ -9605,7 +9605,7 @@
               </a:ln>
               <a:extLst>
                 <a:ext uri="{91240B29-F687-4f45-9708-019B960494DF}">
-                  <a14:hiddenLine xmlns:a14="http://schemas.microsoft.com/office/drawing/2010/main" xmlns="" w="9525">
+                  <a14:hiddenLine xmlns="" xmlns:a14="http://schemas.microsoft.com/office/drawing/2010/main" w="9525">
                     <a:solidFill>
                       <a:srgbClr val="000000"/>
                     </a:solidFill>
@@ -9695,7 +9695,7 @@
               </a:ln>
               <a:extLst>
                 <a:ext uri="{91240B29-F687-4f45-9708-019B960494DF}">
-                  <a14:hiddenLine xmlns:a14="http://schemas.microsoft.com/office/drawing/2010/main" xmlns="" w="9525">
+                  <a14:hiddenLine xmlns="" xmlns:a14="http://schemas.microsoft.com/office/drawing/2010/main" w="9525">
                     <a:solidFill>
                       <a:srgbClr val="000000"/>
                     </a:solidFill>
@@ -9785,7 +9785,7 @@
               </a:ln>
               <a:extLst>
                 <a:ext uri="{91240B29-F687-4f45-9708-019B960494DF}">
-                  <a14:hiddenLine xmlns:a14="http://schemas.microsoft.com/office/drawing/2010/main" xmlns="" w="9525">
+                  <a14:hiddenLine xmlns="" xmlns:a14="http://schemas.microsoft.com/office/drawing/2010/main" w="9525">
                     <a:solidFill>
                       <a:srgbClr val="000000"/>
                     </a:solidFill>
@@ -9847,7 +9847,7 @@
               </a:ln>
               <a:extLst>
                 <a:ext uri="{91240B29-F687-4f45-9708-019B960494DF}">
-                  <a14:hiddenLine xmlns:a14="http://schemas.microsoft.com/office/drawing/2010/main" xmlns="" w="9525">
+                  <a14:hiddenLine xmlns="" xmlns:a14="http://schemas.microsoft.com/office/drawing/2010/main" w="9525">
                     <a:solidFill>
                       <a:srgbClr val="000000"/>
                     </a:solidFill>
@@ -9957,7 +9957,7 @@
               </a:ln>
               <a:extLst>
                 <a:ext uri="{91240B29-F687-4f45-9708-019B960494DF}">
-                  <a14:hiddenLine xmlns:a14="http://schemas.microsoft.com/office/drawing/2010/main" xmlns="" w="9525">
+                  <a14:hiddenLine xmlns="" xmlns:a14="http://schemas.microsoft.com/office/drawing/2010/main" w="9525">
                     <a:solidFill>
                       <a:srgbClr val="000000"/>
                     </a:solidFill>
@@ -10041,7 +10041,7 @@
               </a:ln>
               <a:extLst>
                 <a:ext uri="{91240B29-F687-4f45-9708-019B960494DF}">
-                  <a14:hiddenLine xmlns:a14="http://schemas.microsoft.com/office/drawing/2010/main" xmlns="" w="9525">
+                  <a14:hiddenLine xmlns="" xmlns:a14="http://schemas.microsoft.com/office/drawing/2010/main" w="9525">
                     <a:solidFill>
                       <a:srgbClr val="000000"/>
                     </a:solidFill>
@@ -10103,7 +10103,7 @@
               </a:ln>
               <a:extLst>
                 <a:ext uri="{91240B29-F687-4f45-9708-019B960494DF}">
-                  <a14:hiddenLine xmlns:a14="http://schemas.microsoft.com/office/drawing/2010/main" xmlns="" w="9525">
+                  <a14:hiddenLine xmlns="" xmlns:a14="http://schemas.microsoft.com/office/drawing/2010/main" w="9525">
                     <a:solidFill>
                       <a:srgbClr val="000000"/>
                     </a:solidFill>
@@ -10165,7 +10165,7 @@
               </a:ln>
               <a:extLst>
                 <a:ext uri="{91240B29-F687-4f45-9708-019B960494DF}">
-                  <a14:hiddenLine xmlns:a14="http://schemas.microsoft.com/office/drawing/2010/main" xmlns="" w="9525">
+                  <a14:hiddenLine xmlns="" xmlns:a14="http://schemas.microsoft.com/office/drawing/2010/main" w="9525">
                     <a:solidFill>
                       <a:srgbClr val="000000"/>
                     </a:solidFill>
@@ -10255,7 +10255,7 @@
               </a:ln>
               <a:extLst>
                 <a:ext uri="{91240B29-F687-4f45-9708-019B960494DF}">
-                  <a14:hiddenLine xmlns:a14="http://schemas.microsoft.com/office/drawing/2010/main" xmlns="" w="9525">
+                  <a14:hiddenLine xmlns="" xmlns:a14="http://schemas.microsoft.com/office/drawing/2010/main" w="9525">
                     <a:solidFill>
                       <a:srgbClr val="000000"/>
                     </a:solidFill>
@@ -10289,7 +10289,7 @@
               </a:ln>
               <a:extLst>
                 <a:ext uri="{91240B29-F687-4f45-9708-019B960494DF}">
-                  <a14:hiddenLine xmlns:a14="http://schemas.microsoft.com/office/drawing/2010/main" xmlns="" w="9525">
+                  <a14:hiddenLine xmlns="" xmlns:a14="http://schemas.microsoft.com/office/drawing/2010/main" w="9525">
                     <a:solidFill>
                       <a:srgbClr val="000000"/>
                     </a:solidFill>
@@ -10354,7 +10354,7 @@
               </a:ln>
               <a:extLst>
                 <a:ext uri="{91240B29-F687-4f45-9708-019B960494DF}">
-                  <a14:hiddenLine xmlns:a14="http://schemas.microsoft.com/office/drawing/2010/main" xmlns="" w="9525">
+                  <a14:hiddenLine xmlns="" xmlns:a14="http://schemas.microsoft.com/office/drawing/2010/main" w="9525">
                     <a:solidFill>
                       <a:srgbClr val="000000"/>
                     </a:solidFill>
@@ -10444,7 +10444,7 @@
               </a:ln>
               <a:extLst>
                 <a:ext uri="{91240B29-F687-4f45-9708-019B960494DF}">
-                  <a14:hiddenLine xmlns:a14="http://schemas.microsoft.com/office/drawing/2010/main" xmlns="" w="9525">
+                  <a14:hiddenLine xmlns="" xmlns:a14="http://schemas.microsoft.com/office/drawing/2010/main" w="9525">
                     <a:solidFill>
                       <a:srgbClr val="000000"/>
                     </a:solidFill>
@@ -10506,7 +10506,7 @@
               </a:ln>
               <a:extLst>
                 <a:ext uri="{91240B29-F687-4f45-9708-019B960494DF}">
-                  <a14:hiddenLine xmlns:a14="http://schemas.microsoft.com/office/drawing/2010/main" xmlns="" w="9525">
+                  <a14:hiddenLine xmlns="" xmlns:a14="http://schemas.microsoft.com/office/drawing/2010/main" w="9525">
                     <a:solidFill>
                       <a:srgbClr val="000000"/>
                     </a:solidFill>
@@ -10596,7 +10596,7 @@
               </a:ln>
               <a:extLst>
                 <a:ext uri="{91240B29-F687-4f45-9708-019B960494DF}">
-                  <a14:hiddenLine xmlns:a14="http://schemas.microsoft.com/office/drawing/2010/main" xmlns="" w="9525">
+                  <a14:hiddenLine xmlns="" xmlns:a14="http://schemas.microsoft.com/office/drawing/2010/main" w="9525">
                     <a:solidFill>
                       <a:srgbClr val="000000"/>
                     </a:solidFill>
@@ -10661,7 +10661,7 @@
               </a:ln>
               <a:extLst>
                 <a:ext uri="{91240B29-F687-4f45-9708-019B960494DF}">
-                  <a14:hiddenLine xmlns:a14="http://schemas.microsoft.com/office/drawing/2010/main" xmlns="" w="9525">
+                  <a14:hiddenLine xmlns="" xmlns:a14="http://schemas.microsoft.com/office/drawing/2010/main" w="9525">
                     <a:solidFill>
                       <a:srgbClr val="000000"/>
                     </a:solidFill>
@@ -10723,7 +10723,7 @@
               </a:ln>
               <a:extLst>
                 <a:ext uri="{91240B29-F687-4f45-9708-019B960494DF}">
-                  <a14:hiddenLine xmlns:a14="http://schemas.microsoft.com/office/drawing/2010/main" xmlns="" w="9525">
+                  <a14:hiddenLine xmlns="" xmlns:a14="http://schemas.microsoft.com/office/drawing/2010/main" w="9525">
                     <a:solidFill>
                       <a:srgbClr val="000000"/>
                     </a:solidFill>
@@ -10813,7 +10813,7 @@
               </a:ln>
               <a:extLst>
                 <a:ext uri="{91240B29-F687-4f45-9708-019B960494DF}">
-                  <a14:hiddenLine xmlns:a14="http://schemas.microsoft.com/office/drawing/2010/main" xmlns="" w="9525">
+                  <a14:hiddenLine xmlns="" xmlns:a14="http://schemas.microsoft.com/office/drawing/2010/main" w="9525">
                     <a:solidFill>
                       <a:srgbClr val="000000"/>
                     </a:solidFill>
@@ -10903,7 +10903,7 @@
               </a:ln>
               <a:extLst>
                 <a:ext uri="{91240B29-F687-4f45-9708-019B960494DF}">
-                  <a14:hiddenLine xmlns:a14="http://schemas.microsoft.com/office/drawing/2010/main" xmlns="" w="9525">
+                  <a14:hiddenLine xmlns="" xmlns:a14="http://schemas.microsoft.com/office/drawing/2010/main" w="9525">
                     <a:solidFill>
                       <a:srgbClr val="000000"/>
                     </a:solidFill>
@@ -10968,7 +10968,7 @@
               </a:ln>
               <a:extLst>
                 <a:ext uri="{91240B29-F687-4f45-9708-019B960494DF}">
-                  <a14:hiddenLine xmlns:a14="http://schemas.microsoft.com/office/drawing/2010/main" xmlns="" w="9525">
+                  <a14:hiddenLine xmlns="" xmlns:a14="http://schemas.microsoft.com/office/drawing/2010/main" w="9525">
                     <a:solidFill>
                       <a:srgbClr val="000000"/>
                     </a:solidFill>
@@ -11088,7 +11088,7 @@
               </a:ln>
               <a:extLst>
                 <a:ext uri="{91240B29-F687-4f45-9708-019B960494DF}">
-                  <a14:hiddenLine xmlns:a14="http://schemas.microsoft.com/office/drawing/2010/main" xmlns="" w="9525">
+                  <a14:hiddenLine xmlns="" xmlns:a14="http://schemas.microsoft.com/office/drawing/2010/main" w="9525">
                     <a:solidFill>
                       <a:srgbClr val="000000"/>
                     </a:solidFill>
@@ -11169,7 +11169,7 @@
               </a:ln>
               <a:extLst>
                 <a:ext uri="{91240B29-F687-4f45-9708-019B960494DF}">
-                  <a14:hiddenLine xmlns:a14="http://schemas.microsoft.com/office/drawing/2010/main" xmlns="" w="9525">
+                  <a14:hiddenLine xmlns="" xmlns:a14="http://schemas.microsoft.com/office/drawing/2010/main" w="9525">
                     <a:solidFill>
                       <a:srgbClr val="000000"/>
                     </a:solidFill>
@@ -11284,7 +11284,7 @@
               </a:ln>
               <a:extLst>
                 <a:ext uri="{91240B29-F687-4f45-9708-019B960494DF}">
-                  <a14:hiddenLine xmlns:a14="http://schemas.microsoft.com/office/drawing/2010/main" xmlns="" w="9525">
+                  <a14:hiddenLine xmlns="" xmlns:a14="http://schemas.microsoft.com/office/drawing/2010/main" w="9525">
                     <a:solidFill>
                       <a:srgbClr val="000000"/>
                     </a:solidFill>
@@ -11374,7 +11374,7 @@
               </a:ln>
               <a:extLst>
                 <a:ext uri="{91240B29-F687-4f45-9708-019B960494DF}">
-                  <a14:hiddenLine xmlns:a14="http://schemas.microsoft.com/office/drawing/2010/main" xmlns="" w="9525">
+                  <a14:hiddenLine xmlns="" xmlns:a14="http://schemas.microsoft.com/office/drawing/2010/main" w="9525">
                     <a:solidFill>
                       <a:srgbClr val="000000"/>
                     </a:solidFill>
@@ -11439,7 +11439,7 @@
               </a:ln>
               <a:extLst>
                 <a:ext uri="{91240B29-F687-4f45-9708-019B960494DF}">
-                  <a14:hiddenLine xmlns:a14="http://schemas.microsoft.com/office/drawing/2010/main" xmlns="" w="9525">
+                  <a14:hiddenLine xmlns="" xmlns:a14="http://schemas.microsoft.com/office/drawing/2010/main" w="9525">
                     <a:solidFill>
                       <a:srgbClr val="000000"/>
                     </a:solidFill>
@@ -11529,7 +11529,7 @@
               </a:ln>
               <a:extLst>
                 <a:ext uri="{91240B29-F687-4f45-9708-019B960494DF}">
-                  <a14:hiddenLine xmlns:a14="http://schemas.microsoft.com/office/drawing/2010/main" xmlns="" w="9525">
+                  <a14:hiddenLine xmlns="" xmlns:a14="http://schemas.microsoft.com/office/drawing/2010/main" w="9525">
                     <a:solidFill>
                       <a:srgbClr val="000000"/>
                     </a:solidFill>
@@ -11597,7 +11597,7 @@
               </a:ln>
               <a:extLst>
                 <a:ext uri="{91240B29-F687-4f45-9708-019B960494DF}">
-                  <a14:hiddenLine xmlns:a14="http://schemas.microsoft.com/office/drawing/2010/main" xmlns="" w="9525">
+                  <a14:hiddenLine xmlns="" xmlns:a14="http://schemas.microsoft.com/office/drawing/2010/main" w="9525">
                     <a:solidFill>
                       <a:srgbClr val="000000"/>
                     </a:solidFill>
@@ -11687,7 +11687,7 @@
               </a:ln>
               <a:extLst>
                 <a:ext uri="{91240B29-F687-4f45-9708-019B960494DF}">
-                  <a14:hiddenLine xmlns:a14="http://schemas.microsoft.com/office/drawing/2010/main" xmlns="" w="9525">
+                  <a14:hiddenLine xmlns="" xmlns:a14="http://schemas.microsoft.com/office/drawing/2010/main" w="9525">
                     <a:solidFill>
                       <a:srgbClr val="000000"/>
                     </a:solidFill>
@@ -11755,7 +11755,7 @@
               </a:ln>
               <a:extLst>
                 <a:ext uri="{91240B29-F687-4f45-9708-019B960494DF}">
-                  <a14:hiddenLine xmlns:a14="http://schemas.microsoft.com/office/drawing/2010/main" xmlns="" w="9525">
+                  <a14:hiddenLine xmlns="" xmlns:a14="http://schemas.microsoft.com/office/drawing/2010/main" w="9525">
                     <a:solidFill>
                       <a:srgbClr val="000000"/>
                     </a:solidFill>
@@ -11845,7 +11845,7 @@
               </a:ln>
               <a:extLst>
                 <a:ext uri="{91240B29-F687-4f45-9708-019B960494DF}">
-                  <a14:hiddenLine xmlns:a14="http://schemas.microsoft.com/office/drawing/2010/main" xmlns="" w="9525">
+                  <a14:hiddenLine xmlns="" xmlns:a14="http://schemas.microsoft.com/office/drawing/2010/main" w="9525">
                     <a:solidFill>
                       <a:srgbClr val="000000"/>
                     </a:solidFill>
@@ -11879,7 +11879,7 @@
               </a:ln>
               <a:extLst>
                 <a:ext uri="{91240B29-F687-4f45-9708-019B960494DF}">
-                  <a14:hiddenLine xmlns:a14="http://schemas.microsoft.com/office/drawing/2010/main" xmlns="" w="9525">
+                  <a14:hiddenLine xmlns="" xmlns:a14="http://schemas.microsoft.com/office/drawing/2010/main" w="9525">
                     <a:solidFill>
                       <a:srgbClr val="000000"/>
                     </a:solidFill>
@@ -12020,7 +12020,7 @@
             <a:fld id="{48A87A34-81AB-432B-8DAE-1953F412C126}" type="datetimeFigureOut">
               <a:rPr lang="en-US" smtClean="0"/>
               <a:pPr/>
-              <a:t>28-Nov-18</a:t>
+              <a:t>15-Feb-19</a:t>
             </a:fld>
             <a:endParaRPr lang="en-US" dirty="0"/>
           </a:p>
@@ -12629,6 +12629,12 @@
             </a:r>
           </a:p>
           <a:p>
+            <a:r>
+              <a:rPr lang="en-US" dirty="0"/>
+              <a:t>Reduce time consumption</a:t>
+            </a:r>
+          </a:p>
+          <a:p>
             <a:endParaRPr lang="en-US" dirty="0"/>
           </a:p>
         </p:txBody>
@@ -12710,7 +12716,9 @@
         </p:nvSpPr>
         <p:spPr/>
         <p:txBody>
-          <a:bodyPr/>
+          <a:bodyPr>
+            <a:normAutofit fontScale="77500" lnSpcReduction="20000"/>
+          </a:bodyPr>
           <a:lstStyle/>
           <a:p>
             <a:pPr marL="0" indent="0">
@@ -12720,6 +12728,62 @@
               <a:rPr lang="en-US" dirty="0"/>
               <a:t>Online examination system is a platform where anyone can participate in exams from anywhere. This software will ease the exam system as neither the teacher or the students must be present physically for attending the examination. This will save both time and cost. Moreover students will be highly benefitted from the discussions and this will make quality education available to everyone.</a:t>
             </a:r>
+          </a:p>
+          <a:p>
+            <a:pPr marL="0" indent="0">
+              <a:buNone/>
+            </a:pPr>
+            <a:r>
+              <a:rPr lang="en-US" dirty="0"/>
+              <a:t>*what is discussion: teachers can post elaborate explanations on particular topics. Students can participate in the discussion by commenting. They can ask for help for better understanding via this media.</a:t>
+            </a:r>
+          </a:p>
+          <a:p>
+            <a:pPr marL="0" indent="0">
+              <a:buNone/>
+            </a:pPr>
+            <a:r>
+              <a:rPr lang="en-US" dirty="0"/>
+              <a:t>* Registration system: Usually to be admitted to an institute, one has to pay the fees in person or has to stand in a long queue in bank. In our reg system, we are using electronic payment media like </a:t>
+            </a:r>
+            <a:r>
+              <a:rPr lang="en-US" dirty="0" err="1"/>
+              <a:t>bkash</a:t>
+            </a:r>
+            <a:r>
+              <a:rPr lang="en-US" dirty="0"/>
+              <a:t>, </a:t>
+            </a:r>
+            <a:r>
+              <a:rPr lang="en-US" dirty="0" err="1"/>
+              <a:t>upay</a:t>
+            </a:r>
+            <a:r>
+              <a:rPr lang="en-US" dirty="0"/>
+              <a:t> </a:t>
+            </a:r>
+            <a:r>
+              <a:rPr lang="en-US" dirty="0" err="1"/>
+              <a:t>etc</a:t>
+            </a:r>
+            <a:r>
+              <a:rPr lang="en-US" dirty="0"/>
+              <a:t> for payment. This system will reduce the valuable time which was being </a:t>
+            </a:r>
+            <a:r>
+              <a:rPr lang="en-US" dirty="0" err="1"/>
+              <a:t>wated</a:t>
+            </a:r>
+            <a:r>
+              <a:rPr lang="en-US" dirty="0"/>
+              <a:t> by standing in lines for payments.</a:t>
+            </a:r>
+          </a:p>
+          <a:p>
+            <a:pPr marL="0" indent="0">
+              <a:buNone/>
+            </a:pPr>
+            <a:endParaRPr lang="en-US" dirty="0"/>
           </a:p>
         </p:txBody>
       </p:sp>
